--- a/exposición/exp arqui.pptx
+++ b/exposición/exp arqui.pptx
@@ -9,7 +9,7 @@
     <p:sldId id="257" r:id="rId3"/>
     <p:sldId id="258" r:id="rId4"/>
     <p:sldId id="259" r:id="rId5"/>
-    <p:sldId id="263" r:id="rId6"/>
+    <p:sldId id="267" r:id="rId6"/>
     <p:sldId id="262" r:id="rId7"/>
     <p:sldId id="265" r:id="rId8"/>
     <p:sldId id="266" r:id="rId9"/>
@@ -297,7 +297,7 @@
           <a:p>
             <a:fld id="{73EED3C2-5BAA-4518-A3DD-9277C1C8FD7F}" type="datetimeFigureOut">
               <a:rPr lang="es-CO" smtClean="0"/>
-              <a:t>13/11/2017</a:t>
+              <a:t>14/11/2017</a:t>
             </a:fld>
             <a:endParaRPr lang="es-CO"/>
           </a:p>
@@ -467,7 +467,7 @@
           <a:p>
             <a:fld id="{73EED3C2-5BAA-4518-A3DD-9277C1C8FD7F}" type="datetimeFigureOut">
               <a:rPr lang="es-CO" smtClean="0"/>
-              <a:t>13/11/2017</a:t>
+              <a:t>14/11/2017</a:t>
             </a:fld>
             <a:endParaRPr lang="es-CO"/>
           </a:p>
@@ -647,7 +647,7 @@
           <a:p>
             <a:fld id="{73EED3C2-5BAA-4518-A3DD-9277C1C8FD7F}" type="datetimeFigureOut">
               <a:rPr lang="es-CO" smtClean="0"/>
-              <a:t>13/11/2017</a:t>
+              <a:t>14/11/2017</a:t>
             </a:fld>
             <a:endParaRPr lang="es-CO"/>
           </a:p>
@@ -817,7 +817,7 @@
           <a:p>
             <a:fld id="{73EED3C2-5BAA-4518-A3DD-9277C1C8FD7F}" type="datetimeFigureOut">
               <a:rPr lang="es-CO" smtClean="0"/>
-              <a:t>13/11/2017</a:t>
+              <a:t>14/11/2017</a:t>
             </a:fld>
             <a:endParaRPr lang="es-CO"/>
           </a:p>
@@ -1070,7 +1070,7 @@
           <a:p>
             <a:fld id="{73EED3C2-5BAA-4518-A3DD-9277C1C8FD7F}" type="datetimeFigureOut">
               <a:rPr lang="es-CO" smtClean="0"/>
-              <a:t>13/11/2017</a:t>
+              <a:t>14/11/2017</a:t>
             </a:fld>
             <a:endParaRPr lang="es-CO"/>
           </a:p>
@@ -1358,7 +1358,7 @@
           <a:p>
             <a:fld id="{73EED3C2-5BAA-4518-A3DD-9277C1C8FD7F}" type="datetimeFigureOut">
               <a:rPr lang="es-CO" smtClean="0"/>
-              <a:t>13/11/2017</a:t>
+              <a:t>14/11/2017</a:t>
             </a:fld>
             <a:endParaRPr lang="es-CO"/>
           </a:p>
@@ -1787,7 +1787,7 @@
           <a:p>
             <a:fld id="{73EED3C2-5BAA-4518-A3DD-9277C1C8FD7F}" type="datetimeFigureOut">
               <a:rPr lang="es-CO" smtClean="0"/>
-              <a:t>13/11/2017</a:t>
+              <a:t>14/11/2017</a:t>
             </a:fld>
             <a:endParaRPr lang="es-CO"/>
           </a:p>
@@ -1912,7 +1912,7 @@
           <a:p>
             <a:fld id="{73EED3C2-5BAA-4518-A3DD-9277C1C8FD7F}" type="datetimeFigureOut">
               <a:rPr lang="es-CO" smtClean="0"/>
-              <a:t>13/11/2017</a:t>
+              <a:t>14/11/2017</a:t>
             </a:fld>
             <a:endParaRPr lang="es-CO"/>
           </a:p>
@@ -2007,7 +2007,7 @@
           <a:p>
             <a:fld id="{73EED3C2-5BAA-4518-A3DD-9277C1C8FD7F}" type="datetimeFigureOut">
               <a:rPr lang="es-CO" smtClean="0"/>
-              <a:t>13/11/2017</a:t>
+              <a:t>14/11/2017</a:t>
             </a:fld>
             <a:endParaRPr lang="es-CO"/>
           </a:p>
@@ -2284,7 +2284,7 @@
           <a:p>
             <a:fld id="{73EED3C2-5BAA-4518-A3DD-9277C1C8FD7F}" type="datetimeFigureOut">
               <a:rPr lang="es-CO" smtClean="0"/>
-              <a:t>13/11/2017</a:t>
+              <a:t>14/11/2017</a:t>
             </a:fld>
             <a:endParaRPr lang="es-CO"/>
           </a:p>
@@ -2537,7 +2537,7 @@
           <a:p>
             <a:fld id="{73EED3C2-5BAA-4518-A3DD-9277C1C8FD7F}" type="datetimeFigureOut">
               <a:rPr lang="es-CO" smtClean="0"/>
-              <a:t>13/11/2017</a:t>
+              <a:t>14/11/2017</a:t>
             </a:fld>
             <a:endParaRPr lang="es-CO"/>
           </a:p>
@@ -2759,7 +2759,7 @@
           <a:p>
             <a:fld id="{73EED3C2-5BAA-4518-A3DD-9277C1C8FD7F}" type="datetimeFigureOut">
               <a:rPr lang="es-CO" smtClean="0"/>
-              <a:t>13/11/2017</a:t>
+              <a:t>14/11/2017</a:t>
             </a:fld>
             <a:endParaRPr lang="es-CO"/>
           </a:p>
@@ -4179,26 +4179,7 @@
             <p:ph type="title"/>
           </p:nvPr>
         </p:nvSpPr>
-        <p:spPr>
-          <a:xfrm>
-            <a:off x="467544" y="332656"/>
-            <a:ext cx="8229600" cy="1143000"/>
-          </a:xfrm>
-        </p:spPr>
-        <p:style>
-          <a:lnRef idx="2">
-            <a:schemeClr val="accent2"/>
-          </a:lnRef>
-          <a:fillRef idx="1">
-            <a:schemeClr val="lt1"/>
-          </a:fillRef>
-          <a:effectRef idx="0">
-            <a:schemeClr val="accent2"/>
-          </a:effectRef>
-          <a:fontRef idx="minor">
-            <a:schemeClr val="dk1"/>
-          </a:fontRef>
-        </p:style>
+        <p:spPr/>
         <p:txBody>
           <a:bodyPr>
             <a:normAutofit fontScale="90000"/>
@@ -4206,10 +4187,18 @@
           <a:lstStyle/>
           <a:p>
             <a:r>
-              <a:rPr lang="es-CO" b="1" dirty="0"/>
+              <a:rPr lang="es-CO" b="1" dirty="0">
+                <a:solidFill>
+                  <a:schemeClr val="bg1"/>
+                </a:solidFill>
+              </a:rPr>
               <a:t>ARQUITECTURA «ZACATE»AMD APU</a:t>
             </a:r>
-            <a:endParaRPr lang="es-CO" b="1" dirty="0"/>
+            <a:endParaRPr lang="es-CO" dirty="0">
+              <a:solidFill>
+                <a:schemeClr val="bg1"/>
+              </a:solidFill>
+            </a:endParaRPr>
           </a:p>
         </p:txBody>
       </p:sp>
@@ -4237,28 +4226,21 @@
         </p:blipFill>
         <p:spPr>
           <a:xfrm>
-            <a:off x="971601" y="1844824"/>
-            <a:ext cx="6939378" cy="3494938"/>
+            <a:off x="971601" y="1916832"/>
+            <a:ext cx="6939378" cy="3422930"/>
           </a:xfrm>
         </p:spPr>
       </p:pic>
     </p:spTree>
     <p:extLst>
       <p:ext uri="{BB962C8B-B14F-4D97-AF65-F5344CB8AC3E}">
-        <p14:creationId xmlns:p14="http://schemas.microsoft.com/office/powerpoint/2010/main" val="1654310976"/>
+        <p14:creationId xmlns:p14="http://schemas.microsoft.com/office/powerpoint/2010/main" val="2436334359"/>
       </p:ext>
     </p:extLst>
   </p:cSld>
   <p:clrMapOvr>
     <a:masterClrMapping/>
   </p:clrMapOvr>
-  <p:timing>
-    <p:tnLst>
-      <p:par>
-        <p:cTn id="1" dur="indefinite" restart="never" nodeType="tmRoot"/>
-      </p:par>
-    </p:tnLst>
-  </p:timing>
 </p:sld>
 </file>
 
@@ -4505,7 +4487,7 @@
                   <a:schemeClr val="bg1"/>
                 </a:solidFill>
               </a:rPr>
-              <a:t>La combinación de múltiples elementos en un solo dispositivo permite un único proceso de fabricación y un solo producto, lo que permite menores costos de fabricación</a:t>
+              <a:t>La combinación de múltiples elementos en un solo </a:t>
             </a:r>
             <a:r>
               <a:rPr lang="es-ES" sz="1800" b="1" dirty="0" smtClean="0">
@@ -4513,10 +4495,20 @@
                   <a:schemeClr val="bg1"/>
                 </a:solidFill>
               </a:rPr>
-              <a:t>.</a:t>
-            </a:r>
-          </a:p>
-          <a:p>
+              <a:t>dispositivo</a:t>
+            </a:r>
+          </a:p>
+          <a:p>
+            <a:endParaRPr lang="es-ES" sz="1800" b="1" dirty="0" smtClean="0">
+              <a:solidFill>
+                <a:schemeClr val="bg1"/>
+              </a:solidFill>
+            </a:endParaRPr>
+          </a:p>
+          <a:p>
+            <a:pPr marL="0" indent="0">
+              <a:buNone/>
+            </a:pPr>
             <a:endParaRPr lang="es-ES" sz="1800" b="1" dirty="0">
               <a:solidFill>
                 <a:schemeClr val="bg1"/>
@@ -4530,7 +4522,7 @@
                   <a:schemeClr val="bg1"/>
                 </a:solidFill>
               </a:rPr>
-              <a:t>La menor cantidad de paquetes ocupa menos espacio en un dispositivo final, lo que permite un menor costo del dispositivo y un factor de forma menor, que son vitales en mercados como la telefonía móvil</a:t>
+              <a:t>La menor cantidad de paquetes ocupa menos espacio en un dispositivo </a:t>
             </a:r>
             <a:r>
               <a:rPr lang="es-ES" sz="1800" b="1" dirty="0" smtClean="0">
@@ -4538,10 +4530,21 @@
                   <a:schemeClr val="bg1"/>
                 </a:solidFill>
               </a:rPr>
+              <a:t>final</a:t>
+            </a:r>
+            <a:r>
+              <a:rPr lang="es-ES" sz="1800" b="1" dirty="0" smtClean="0">
+                <a:solidFill>
+                  <a:schemeClr val="bg1"/>
+                </a:solidFill>
+              </a:rPr>
               <a:t>.</a:t>
             </a:r>
           </a:p>
           <a:p>
+            <a:pPr marL="0" indent="0">
+              <a:buNone/>
+            </a:pPr>
             <a:endParaRPr lang="es-ES" sz="1800" b="1" dirty="0">
               <a:solidFill>
                 <a:schemeClr val="bg1"/>
@@ -4555,7 +4558,7 @@
                   <a:schemeClr val="bg1"/>
                 </a:solidFill>
               </a:rPr>
-              <a:t>Las distancias más pequeñas significan menos energía utilizada durante la comunicación y un intercambio más fácil de datos a través de un solo sistema de </a:t>
+              <a:t>Las distancias más pequeñas significan menos energía </a:t>
             </a:r>
             <a:r>
               <a:rPr lang="es-ES" sz="1800" b="1" dirty="0" smtClean="0">
@@ -4563,17 +4566,38 @@
                   <a:schemeClr val="bg1"/>
                 </a:solidFill>
               </a:rPr>
-              <a:t>memoria</a:t>
-            </a:r>
-          </a:p>
-          <a:p>
+              <a:t>utilizada</a:t>
+            </a:r>
+          </a:p>
+          <a:p>
+            <a:pPr marL="0" indent="0">
+              <a:buNone/>
+            </a:pPr>
             <a:r>
               <a:rPr lang="es-ES" sz="1800" b="1" dirty="0" smtClean="0">
                 <a:solidFill>
                   <a:schemeClr val="bg1"/>
                 </a:solidFill>
               </a:rPr>
-              <a:t>Compatible con estándares de programación como </a:t>
+              <a:t> </a:t>
+            </a:r>
+          </a:p>
+          <a:p>
+            <a:r>
+              <a:rPr lang="es-ES" sz="1800" b="1" dirty="0" smtClean="0">
+                <a:solidFill>
+                  <a:schemeClr val="bg1"/>
+                </a:solidFill>
+              </a:rPr>
+              <a:t>Compatible </a:t>
+            </a:r>
+            <a:r>
+              <a:rPr lang="es-ES" sz="1800" b="1" dirty="0" smtClean="0">
+                <a:solidFill>
+                  <a:schemeClr val="bg1"/>
+                </a:solidFill>
+              </a:rPr>
+              <a:t>con estándares de programación como </a:t>
             </a:r>
             <a:r>
               <a:rPr lang="es-ES" sz="1800" b="1" dirty="0" err="1">
@@ -4694,7 +4718,7 @@
                                         <p:tgtEl>
                                           <p:spTgt spid="3">
                                             <p:txEl>
-                                              <p:pRg st="2" end="2"/>
+                                              <p:pRg st="3" end="3"/>
                                             </p:txEl>
                                           </p:spTgt>
                                         </p:tgtEl>
@@ -4743,7 +4767,7 @@
                                         <p:tgtEl>
                                           <p:spTgt spid="3">
                                             <p:txEl>
-                                              <p:pRg st="4" end="4"/>
+                                              <p:pRg st="5" end="5"/>
                                             </p:txEl>
                                           </p:spTgt>
                                         </p:tgtEl>
@@ -4792,7 +4816,56 @@
                                         <p:tgtEl>
                                           <p:spTgt spid="3">
                                             <p:txEl>
-                                              <p:pRg st="5" end="5"/>
+                                              <p:pRg st="6" end="6"/>
+                                            </p:txEl>
+                                          </p:spTgt>
+                                        </p:tgtEl>
+                                        <p:attrNameLst>
+                                          <p:attrName>style.visibility</p:attrName>
+                                        </p:attrNameLst>
+                                      </p:cBhvr>
+                                      <p:to>
+                                        <p:strVal val="visible"/>
+                                      </p:to>
+                                    </p:set>
+                                  </p:childTnLst>
+                                </p:cTn>
+                              </p:par>
+                            </p:childTnLst>
+                          </p:cTn>
+                        </p:par>
+                      </p:childTnLst>
+                    </p:cTn>
+                  </p:par>
+                  <p:par>
+                    <p:cTn id="19" fill="hold">
+                      <p:stCondLst>
+                        <p:cond delay="indefinite"/>
+                      </p:stCondLst>
+                      <p:childTnLst>
+                        <p:par>
+                          <p:cTn id="20" fill="hold">
+                            <p:stCondLst>
+                              <p:cond delay="0"/>
+                            </p:stCondLst>
+                            <p:childTnLst>
+                              <p:par>
+                                <p:cTn id="21" presetID="1" presetClass="entr" presetSubtype="0" fill="hold" nodeType="clickEffect">
+                                  <p:stCondLst>
+                                    <p:cond delay="0"/>
+                                  </p:stCondLst>
+                                  <p:childTnLst>
+                                    <p:set>
+                                      <p:cBhvr>
+                                        <p:cTn id="22" dur="1" fill="hold">
+                                          <p:stCondLst>
+                                            <p:cond delay="0"/>
+                                          </p:stCondLst>
+                                        </p:cTn>
+                                        <p:tgtEl>
+                                          <p:spTgt spid="3">
+                                            <p:txEl>
+                                              <p:pRg st="7" end="7"/>
                                             </p:txEl>
                                           </p:spTgt>
                                         </p:tgtEl>
@@ -4917,23 +4990,7 @@
                   <a:schemeClr val="bg1"/>
                 </a:solidFill>
               </a:rPr>
-              <a:t>La potencia tanto gráfica como de procesamiento </a:t>
-            </a:r>
-            <a:r>
-              <a:rPr lang="es-CO" sz="2000" b="1" i="1" dirty="0">
-                <a:solidFill>
-                  <a:schemeClr val="bg1"/>
-                </a:solidFill>
-              </a:rPr>
-              <a:t>nunca se podrá comparar</a:t>
-            </a:r>
-            <a:r>
-              <a:rPr lang="es-CO" sz="2000" b="1" dirty="0">
-                <a:solidFill>
-                  <a:schemeClr val="bg1"/>
-                </a:solidFill>
-              </a:rPr>
-              <a:t> con el poder que puedes obtener con un procesador normal más </a:t>
+              <a:t>La </a:t>
             </a:r>
             <a:r>
               <a:rPr lang="es-CO" sz="2000" b="1" dirty="0" smtClean="0">
@@ -4941,23 +4998,7 @@
                   <a:schemeClr val="bg1"/>
                 </a:solidFill>
               </a:rPr>
-              <a:t>una </a:t>
-            </a:r>
-            <a:r>
-              <a:rPr lang="es-CO" sz="2000" b="1" dirty="0">
-                <a:solidFill>
-                  <a:schemeClr val="bg1"/>
-                </a:solidFill>
-              </a:rPr>
-              <a:t>tarjeta </a:t>
-            </a:r>
-            <a:r>
-              <a:rPr lang="es-CO" sz="2000" b="1" dirty="0" smtClean="0">
-                <a:solidFill>
-                  <a:schemeClr val="bg1"/>
-                </a:solidFill>
-              </a:rPr>
-              <a:t>gráfica.</a:t>
+              <a:t>potencia grafica.</a:t>
             </a:r>
           </a:p>
           <a:p>
